--- a/WifiDirect报告.pptx
+++ b/WifiDirect报告.pptx
@@ -6805,7 +6805,7 @@
           <a:graphicData uri="http://schemas.openxmlformats.org/presentationml/2006/ole">
             <mc:AlternateContent xmlns:mc="http://schemas.openxmlformats.org/markup-compatibility/2006">
               <mc:Choice xmlns:v="urn:schemas-microsoft-com:vml" Requires="v">
-                <p:oleObj spid="_x0000_s1250" name="Image" r:id="rId9" imgW="4037760" imgH="2539440" progId="Photoshop.Image.18">
+                <p:oleObj spid="_x0000_s1252" name="Image" r:id="rId9" imgW="4037760" imgH="2539440" progId="Photoshop.Image.18">
                   <p:embed/>
                 </p:oleObj>
               </mc:Choice>
@@ -13972,11 +13972,11 @@
             </a:pPr>
             <a:r>
               <a:rPr lang="en-US" altLang="zh-CN" sz="2000" dirty="0"/>
-              <a:t>Socket::</a:t>
-            </a:r>
-            <a:r>
-              <a:rPr lang="en-US" altLang="zh-CN" sz="2000" dirty="0" err="1"/>
-              <a:t>connetct</a:t>
+              <a:t>Socket</a:t>
+            </a:r>
+            <a:r>
+              <a:rPr lang="en-US" altLang="zh-CN" sz="2000"/>
+              <a:t>::connect</a:t>
             </a:r>
             <a:r>
               <a:rPr lang="en-US" altLang="zh-CN" sz="2000" dirty="0"/>

--- a/WifiDirect报告.pptx
+++ b/WifiDirect报告.pptx
@@ -6422,8 +6422,8 @@
           </a:p>
           <a:p>
             <a:r>
-              <a:rPr lang="zh-CN" altLang="en-US" dirty="0"/>
-              <a:t>袁堂飞</a:t>
+              <a:rPr lang="zh-CN" altLang="en-US"/>
+              <a:t>程俊、周丹丹、袁堂飞</a:t>
             </a:r>
             <a:endParaRPr lang="en-US" altLang="zh-CN" dirty="0"/>
           </a:p>
@@ -6805,7 +6805,7 @@
           <a:graphicData uri="http://schemas.openxmlformats.org/presentationml/2006/ole">
             <mc:AlternateContent xmlns:mc="http://schemas.openxmlformats.org/markup-compatibility/2006">
               <mc:Choice xmlns:v="urn:schemas-microsoft-com:vml" Requires="v">
-                <p:oleObj spid="_x0000_s1252" name="Image" r:id="rId9" imgW="4037760" imgH="2539440" progId="Photoshop.Image.18">
+                <p:oleObj spid="_x0000_s1254" name="Image" r:id="rId9" imgW="4037760" imgH="2539440" progId="Photoshop.Image.18">
                   <p:embed/>
                 </p:oleObj>
               </mc:Choice>

--- a/WifiDirect报告.pptx
+++ b/WifiDirect报告.pptx
@@ -6805,7 +6805,7 @@
           <a:graphicData uri="http://schemas.openxmlformats.org/presentationml/2006/ole">
             <mc:AlternateContent xmlns:mc="http://schemas.openxmlformats.org/markup-compatibility/2006">
               <mc:Choice xmlns:v="urn:schemas-microsoft-com:vml" Requires="v">
-                <p:oleObj spid="_x0000_s1254" name="Image" r:id="rId9" imgW="4037760" imgH="2539440" progId="Photoshop.Image.18">
+                <p:oleObj spid="_x0000_s1256" name="Image" r:id="rId9" imgW="4037760" imgH="2539440" progId="Photoshop.Image.18">
                   <p:embed/>
                 </p:oleObj>
               </mc:Choice>
@@ -14137,7 +14137,7 @@
           <a:p>
             <a:r>
               <a:rPr lang="zh-CN" altLang="en-US" dirty="0"/>
-              <a:t>三次握手断开连接</a:t>
+              <a:t>两次握手断开连接</a:t>
             </a:r>
           </a:p>
         </p:txBody>
